--- a/Presentation.pptx
+++ b/Presentation.pptx
@@ -1152,7 +1152,7 @@
               </a:spcAft>
               <a:buNone/>
             </a:pPr>
-            <a:endParaRPr/>
+            <a:endParaRPr dirty="0"/>
           </a:p>
         </p:txBody>
       </p:sp>
@@ -23906,7 +23906,7 @@
         </p:nvSpPr>
         <p:spPr>
           <a:xfrm>
-            <a:off x="3346650" y="2946826"/>
+            <a:off x="3346650" y="2918250"/>
             <a:ext cx="2336400" cy="722400"/>
           </a:xfrm>
           <a:prstGeom prst="rect">
@@ -23934,7 +23934,23 @@
                   <a:schemeClr val="accent2"/>
                 </a:solidFill>
               </a:rPr>
-              <a:t>Gaussian Mixture Models (GMM)</a:t>
+              <a:t>Long short - term memory (</a:t>
+            </a:r>
+            <a:r>
+              <a:rPr lang="en-IN" dirty="0" err="1">
+                <a:solidFill>
+                  <a:schemeClr val="accent2"/>
+                </a:solidFill>
+              </a:rPr>
+              <a:t>lstm</a:t>
+            </a:r>
+            <a:r>
+              <a:rPr lang="en-IN" dirty="0">
+                <a:solidFill>
+                  <a:schemeClr val="accent2"/>
+                </a:solidFill>
+              </a:rPr>
+              <a:t>)</a:t>
             </a:r>
           </a:p>
         </p:txBody>
@@ -23951,8 +23967,8 @@
         </p:nvSpPr>
         <p:spPr>
           <a:xfrm>
-            <a:off x="3232344" y="3488405"/>
-            <a:ext cx="2336400" cy="1195781"/>
+            <a:off x="3129383" y="3309809"/>
+            <a:ext cx="2686751" cy="1195781"/>
           </a:xfrm>
           <a:prstGeom prst="rect">
             <a:avLst/>
@@ -23975,7 +23991,7 @@
             </a:pPr>
             <a:r>
               <a:rPr lang="en-US" sz="1400" dirty="0"/>
-              <a:t>Assumes data follows mixture of Gaussians, detects anomalies with low probability.</a:t>
+              <a:t>type of recurrent neural network architecture that allows for the modeling of long-term dependencies in sequential data</a:t>
             </a:r>
           </a:p>
         </p:txBody>
@@ -24506,7 +24522,7 @@
             </a:pPr>
             <a:r>
               <a:rPr lang="en-IN" dirty="0"/>
-              <a:t>Why isolation  forest ?</a:t>
+              <a:t>Why LSTM ?</a:t>
             </a:r>
             <a:endParaRPr dirty="0"/>
           </a:p>
@@ -24564,8 +24580,8 @@
         </p:nvSpPr>
         <p:spPr>
           <a:xfrm>
-            <a:off x="2259450" y="1256487"/>
-            <a:ext cx="4625100" cy="1768500"/>
+            <a:off x="2138004" y="1412284"/>
+            <a:ext cx="4625100" cy="2558276"/>
           </a:xfrm>
           <a:prstGeom prst="rect">
             <a:avLst/>
@@ -24596,7 +24612,7 @@
                   <a:schemeClr val="accent2"/>
                 </a:solidFill>
               </a:rPr>
-              <a:t>Isolation Forest is a popular choice for detecting anomalies in a dataset. It can effectively separate anomalies from normal data points, even when anomalies are a minority or exhibit complex patterns.</a:t>
+              <a:t>LSTMs are particularly useful in machine learning tasks that involve sequential data because they are designed to capture long-term dependencies and handle the vanishing gradient problem, allowing for better understanding and prediction of patterns over time.</a:t>
             </a:r>
           </a:p>
           <a:p>
@@ -24639,7 +24655,7 @@
                   <a:schemeClr val="accent2"/>
                 </a:solidFill>
               </a:rPr>
-              <a:t>Ability to handle high-dimensional data</a:t>
+              <a:t>Improved Memory Retention.</a:t>
             </a:r>
           </a:p>
           <a:p>
@@ -24682,23 +24698,8 @@
                   <a:schemeClr val="accent2"/>
                 </a:solidFill>
               </a:rPr>
-              <a:t>Isolation Forest has a linear time complexity in the number of data points, making it computationally efficient</a:t>
+              <a:t>Handling Variable-Length Sequences.</a:t>
             </a:r>
-          </a:p>
-          <a:p>
-            <a:pPr marL="457200" lvl="0" indent="-317500" algn="l" rtl="0">
-              <a:spcBef>
-                <a:spcPts val="0"/>
-              </a:spcBef>
-              <a:spcAft>
-                <a:spcPts val="0"/>
-              </a:spcAft>
-              <a:buClr>
-                <a:schemeClr val="accent2"/>
-              </a:buClr>
-              <a:buSzPts val="1400"/>
-              <a:buChar char="●"/>
-            </a:pPr>
             <a:endParaRPr dirty="0">
               <a:solidFill>
                 <a:schemeClr val="accent2"/>
@@ -24715,7 +24716,7 @@
         </p:nvCxnSpPr>
         <p:spPr>
           <a:xfrm rot="10800000" flipH="1">
-            <a:off x="3459250" y="3912850"/>
+            <a:off x="3459250" y="4270039"/>
             <a:ext cx="4990500" cy="11400"/>
           </a:xfrm>
           <a:prstGeom prst="straightConnector1">
@@ -24741,7 +24742,7 @@
         </p:nvGrpSpPr>
         <p:grpSpPr>
           <a:xfrm>
-            <a:off x="2284813" y="3850262"/>
+            <a:off x="2284813" y="4221741"/>
             <a:ext cx="537556" cy="136576"/>
             <a:chOff x="2641350" y="846250"/>
             <a:chExt cx="413600" cy="105075"/>
@@ -25126,7 +25127,7 @@
             </a:pPr>
             <a:r>
               <a:rPr lang="en-US" sz="1200" dirty="0"/>
-              <a:t>The 'Login Timestamp' column is converted to a UNIX timestamp to standardize the time representation.</a:t>
+              <a:t>The country’ name is retrieved from the IP Address using Geolite2 library and matched with country name given in the dataset.</a:t>
             </a:r>
           </a:p>
           <a:p>
@@ -25142,15 +25143,7 @@
             </a:pPr>
             <a:r>
               <a:rPr lang="en-US" sz="1200" dirty="0"/>
-              <a:t>The 'IP Address' column is converted to an integer representation using the </a:t>
-            </a:r>
-            <a:r>
-              <a:rPr lang="en-US" sz="1200" dirty="0" err="1"/>
-              <a:t>ipaddress</a:t>
-            </a:r>
-            <a:r>
-              <a:rPr lang="en-US" sz="1200" dirty="0"/>
-              <a:t> library.</a:t>
+              <a:t>Checked Browser name’s compatibility with its corresponding device type.</a:t>
             </a:r>
           </a:p>
           <a:p>
@@ -25166,7 +25159,15 @@
             </a:pPr>
             <a:r>
               <a:rPr lang="en-US" sz="1200" dirty="0"/>
-              <a:t>The selected features for anomaly detection are 'Login Timestamp', 'User ID', 'IP Address', and 'Login Successful'.</a:t>
+              <a:t>If any of the above 2 statements is not valid then 0 is stored into a temporary label (</a:t>
+            </a:r>
+            <a:r>
+              <a:rPr lang="en-US" sz="1200" dirty="0" err="1"/>
+              <a:t>Temp_label</a:t>
+            </a:r>
+            <a:r>
+              <a:rPr lang="en-US" sz="1200" dirty="0"/>
+              <a:t>) else if both statements are true then the value 1 is stored.</a:t>
             </a:r>
           </a:p>
           <a:p>
@@ -25182,7 +25183,23 @@
             </a:pPr>
             <a:r>
               <a:rPr lang="en-US" sz="1200" dirty="0"/>
-              <a:t>Categorical columns ('Country', 'Region', 'City', 'Browser Name and Version', 'Device Type') are converted to one-hot encoding.</a:t>
+              <a:t>Now a final label (</a:t>
+            </a:r>
+            <a:r>
+              <a:rPr lang="en-US" sz="1200" dirty="0" err="1"/>
+              <a:t>Label_f</a:t>
+            </a:r>
+            <a:r>
+              <a:rPr lang="en-US" sz="1200" dirty="0"/>
+              <a:t>) is retrieved by using XNOR operator with Login Successful and </a:t>
+            </a:r>
+            <a:r>
+              <a:rPr lang="en-US" sz="1200" dirty="0" err="1"/>
+              <a:t>Temp_label</a:t>
+            </a:r>
+            <a:r>
+              <a:rPr lang="en-US" sz="1200" dirty="0"/>
+              <a:t>.</a:t>
             </a:r>
           </a:p>
         </p:txBody>
@@ -25632,7 +25649,7 @@
             </a:pPr>
             <a:r>
               <a:rPr lang="en-US" sz="1200" dirty="0"/>
-              <a:t>An instance of the Isolation Forest model is created with a contamination parameter of 0.1 (adjustable).</a:t>
+              <a:t>An instance of the LSTM model is created.</a:t>
             </a:r>
           </a:p>
           <a:p>
@@ -25648,7 +25665,15 @@
             </a:pPr>
             <a:r>
               <a:rPr lang="en-US" sz="1200" dirty="0"/>
-              <a:t>The model is fitted to the preprocessed dataset (X), which contains the selected features.</a:t>
+              <a:t>The model is fitted to the preprocessed dataset with the target value (</a:t>
+            </a:r>
+            <a:r>
+              <a:rPr lang="en-US" sz="1200" dirty="0" err="1"/>
+              <a:t>Label_f</a:t>
+            </a:r>
+            <a:r>
+              <a:rPr lang="en-US" sz="1200" dirty="0"/>
+              <a:t>).</a:t>
             </a:r>
           </a:p>
           <a:p>
@@ -25664,7 +25689,23 @@
             </a:pPr>
             <a:r>
               <a:rPr lang="en-US" sz="1200" dirty="0"/>
-              <a:t>The model predicts the anomalies in the dataset, assigning a value of 1 for normal data points and -1 for anomalies.</a:t>
+              <a:t>The model predicts the anomalies in the dataset, assigning a value of </a:t>
+            </a:r>
+            <a:r>
+              <a:rPr lang="en-US" sz="1600" dirty="0"/>
+              <a:t>0</a:t>
+            </a:r>
+            <a:r>
+              <a:rPr lang="en-US" sz="1200" dirty="0"/>
+              <a:t> for normal data points and </a:t>
+            </a:r>
+            <a:r>
+              <a:rPr lang="en-US" sz="1600" dirty="0"/>
+              <a:t>1</a:t>
+            </a:r>
+            <a:r>
+              <a:rPr lang="en-US" sz="1200" dirty="0"/>
+              <a:t> for anomalies.</a:t>
             </a:r>
           </a:p>
           <a:p>
@@ -25680,7 +25721,7 @@
             </a:pPr>
             <a:r>
               <a:rPr lang="en-US" sz="1200" dirty="0"/>
-              <a:t>The anomaly predictions are added as an 'Anomaly' column to the original dataset.</a:t>
+              <a:t>The predictions of validation dataset is compared with labels in order to get accuracy.</a:t>
             </a:r>
           </a:p>
         </p:txBody>
@@ -26221,7 +26262,7 @@
             </a:pPr>
             <a:r>
               <a:rPr lang="en-US" sz="1400" dirty="0"/>
-              <a:t>The trained Isolation Forest model is saved as a pickle file (‘</a:t>
+              <a:t>The trained LSTM is saved as a pickle file (‘</a:t>
             </a:r>
             <a:r>
               <a:rPr lang="en-US" sz="1400" dirty="0" err="1"/>
